--- a/docs/diagrams/SortMenuSequenceDiagram.pptx
+++ b/docs/diagrams/SortMenuSequenceDiagram.pptx
@@ -243,7 +243,7 @@
           <a:p>
             <a:fld id="{4D1B3380-6078-4607-8330-76A9CDBCE97E}" type="datetimeFigureOut">
               <a:rPr lang="en-US" smtClean="0"/>
-              <a:t>10/24/2018</a:t>
+              <a:t>10/26/2018</a:t>
             </a:fld>
             <a:endParaRPr lang="en-US"/>
           </a:p>
@@ -413,7 +413,7 @@
           <a:p>
             <a:fld id="{4D1B3380-6078-4607-8330-76A9CDBCE97E}" type="datetimeFigureOut">
               <a:rPr lang="en-US" smtClean="0"/>
-              <a:t>10/24/2018</a:t>
+              <a:t>10/26/2018</a:t>
             </a:fld>
             <a:endParaRPr lang="en-US"/>
           </a:p>
@@ -593,7 +593,7 @@
           <a:p>
             <a:fld id="{4D1B3380-6078-4607-8330-76A9CDBCE97E}" type="datetimeFigureOut">
               <a:rPr lang="en-US" smtClean="0"/>
-              <a:t>10/24/2018</a:t>
+              <a:t>10/26/2018</a:t>
             </a:fld>
             <a:endParaRPr lang="en-US"/>
           </a:p>
@@ -763,7 +763,7 @@
           <a:p>
             <a:fld id="{4D1B3380-6078-4607-8330-76A9CDBCE97E}" type="datetimeFigureOut">
               <a:rPr lang="en-US" smtClean="0"/>
-              <a:t>10/24/2018</a:t>
+              <a:t>10/26/2018</a:t>
             </a:fld>
             <a:endParaRPr lang="en-US"/>
           </a:p>
@@ -1009,7 +1009,7 @@
           <a:p>
             <a:fld id="{4D1B3380-6078-4607-8330-76A9CDBCE97E}" type="datetimeFigureOut">
               <a:rPr lang="en-US" smtClean="0"/>
-              <a:t>10/24/2018</a:t>
+              <a:t>10/26/2018</a:t>
             </a:fld>
             <a:endParaRPr lang="en-US"/>
           </a:p>
@@ -1241,7 +1241,7 @@
           <a:p>
             <a:fld id="{4D1B3380-6078-4607-8330-76A9CDBCE97E}" type="datetimeFigureOut">
               <a:rPr lang="en-US" smtClean="0"/>
-              <a:t>10/24/2018</a:t>
+              <a:t>10/26/2018</a:t>
             </a:fld>
             <a:endParaRPr lang="en-US"/>
           </a:p>
@@ -1608,7 +1608,7 @@
           <a:p>
             <a:fld id="{4D1B3380-6078-4607-8330-76A9CDBCE97E}" type="datetimeFigureOut">
               <a:rPr lang="en-US" smtClean="0"/>
-              <a:t>10/24/2018</a:t>
+              <a:t>10/26/2018</a:t>
             </a:fld>
             <a:endParaRPr lang="en-US"/>
           </a:p>
@@ -1726,7 +1726,7 @@
           <a:p>
             <a:fld id="{4D1B3380-6078-4607-8330-76A9CDBCE97E}" type="datetimeFigureOut">
               <a:rPr lang="en-US" smtClean="0"/>
-              <a:t>10/24/2018</a:t>
+              <a:t>10/26/2018</a:t>
             </a:fld>
             <a:endParaRPr lang="en-US"/>
           </a:p>
@@ -1821,7 +1821,7 @@
           <a:p>
             <a:fld id="{4D1B3380-6078-4607-8330-76A9CDBCE97E}" type="datetimeFigureOut">
               <a:rPr lang="en-US" smtClean="0"/>
-              <a:t>10/24/2018</a:t>
+              <a:t>10/26/2018</a:t>
             </a:fld>
             <a:endParaRPr lang="en-US"/>
           </a:p>
@@ -2098,7 +2098,7 @@
           <a:p>
             <a:fld id="{4D1B3380-6078-4607-8330-76A9CDBCE97E}" type="datetimeFigureOut">
               <a:rPr lang="en-US" smtClean="0"/>
-              <a:t>10/24/2018</a:t>
+              <a:t>10/26/2018</a:t>
             </a:fld>
             <a:endParaRPr lang="en-US"/>
           </a:p>
@@ -2355,7 +2355,7 @@
           <a:p>
             <a:fld id="{4D1B3380-6078-4607-8330-76A9CDBCE97E}" type="datetimeFigureOut">
               <a:rPr lang="en-US" smtClean="0"/>
-              <a:t>10/24/2018</a:t>
+              <a:t>10/26/2018</a:t>
             </a:fld>
             <a:endParaRPr lang="en-US"/>
           </a:p>
@@ -2568,7 +2568,7 @@
           <a:p>
             <a:fld id="{4D1B3380-6078-4607-8330-76A9CDBCE97E}" type="datetimeFigureOut">
               <a:rPr lang="en-US" smtClean="0"/>
-              <a:t>10/24/2018</a:t>
+              <a:t>10/26/2018</a:t>
             </a:fld>
             <a:endParaRPr lang="en-US"/>
           </a:p>
@@ -3626,11 +3626,11 @@
             <a:pPr algn="ctr"/>
             <a:r>
               <a:rPr lang="en-US" sz="2800" dirty="0"/>
-              <a:t>:</a:t>
+              <a:t>:Restaurant </a:t>
             </a:r>
             <a:r>
               <a:rPr lang="en-US" sz="2800" dirty="0" err="1"/>
-              <a:t>AddressBookParser</a:t>
+              <a:t>BookParser</a:t>
             </a:r>
             <a:endParaRPr lang="en-US" sz="2800" dirty="0"/>
           </a:p>
@@ -5373,8 +5373,8 @@
         </p:nvSpPr>
         <p:spPr>
           <a:xfrm>
-            <a:off x="35473766" y="9811360"/>
-            <a:ext cx="2518706" cy="527906"/>
+            <a:off x="35473766" y="9567685"/>
+            <a:ext cx="2518706" cy="771581"/>
           </a:xfrm>
           <a:prstGeom prst="rect">
             <a:avLst/>
@@ -5414,13 +5414,8 @@
             <a:pPr algn="ctr"/>
             <a:r>
               <a:rPr lang="en-US" sz="2800" dirty="0"/>
-              <a:t>:</a:t>
-            </a:r>
-            <a:r>
-              <a:rPr lang="en-US" sz="2800" dirty="0" err="1"/>
-              <a:t>AddressBook</a:t>
-            </a:r>
-            <a:endParaRPr lang="en-US" sz="2800" dirty="0"/>
+              <a:t>: Restaurant Book</a:t>
+            </a:r>
           </a:p>
         </p:txBody>
       </p:sp>
